--- a/exercises/2022-winter-break-problems.pptx
+++ b/exercises/2022-winter-break-problems.pptx
@@ -254,7 +254,7 @@
           <a:p>
             <a:fld id="{4C40F904-F16B-4CE4-9E87-9DD4C342B562}" type="datetimeFigureOut">
               <a:rPr lang="zh-CN" altLang="en-US" smtClean="0"/>
-              <a:t>2022/1/28</a:t>
+              <a:t>2022/1/29</a:t>
             </a:fld>
             <a:endParaRPr lang="zh-CN" altLang="en-US"/>
           </a:p>
@@ -424,7 +424,7 @@
           <a:p>
             <a:fld id="{4C40F904-F16B-4CE4-9E87-9DD4C342B562}" type="datetimeFigureOut">
               <a:rPr lang="zh-CN" altLang="en-US" smtClean="0"/>
-              <a:t>2022/1/28</a:t>
+              <a:t>2022/1/29</a:t>
             </a:fld>
             <a:endParaRPr lang="zh-CN" altLang="en-US"/>
           </a:p>
@@ -604,7 +604,7 @@
           <a:p>
             <a:fld id="{4C40F904-F16B-4CE4-9E87-9DD4C342B562}" type="datetimeFigureOut">
               <a:rPr lang="zh-CN" altLang="en-US" smtClean="0"/>
-              <a:t>2022/1/28</a:t>
+              <a:t>2022/1/29</a:t>
             </a:fld>
             <a:endParaRPr lang="zh-CN" altLang="en-US"/>
           </a:p>
@@ -845,7 +845,7 @@
           <a:p>
             <a:fld id="{4C40F904-F16B-4CE4-9E87-9DD4C342B562}" type="datetimeFigureOut">
               <a:rPr lang="zh-CN" altLang="en-US" smtClean="0"/>
-              <a:t>2022/1/28</a:t>
+              <a:t>2022/1/29</a:t>
             </a:fld>
             <a:endParaRPr lang="zh-CN" altLang="en-US"/>
           </a:p>
@@ -1089,7 +1089,7 @@
           <a:p>
             <a:fld id="{4C40F904-F16B-4CE4-9E87-9DD4C342B562}" type="datetimeFigureOut">
               <a:rPr lang="zh-CN" altLang="en-US" smtClean="0"/>
-              <a:t>2022/1/28</a:t>
+              <a:t>2022/1/29</a:t>
             </a:fld>
             <a:endParaRPr lang="zh-CN" altLang="en-US"/>
           </a:p>
@@ -1321,7 +1321,7 @@
           <a:p>
             <a:fld id="{4C40F904-F16B-4CE4-9E87-9DD4C342B562}" type="datetimeFigureOut">
               <a:rPr lang="zh-CN" altLang="en-US" smtClean="0"/>
-              <a:t>2022/1/28</a:t>
+              <a:t>2022/1/29</a:t>
             </a:fld>
             <a:endParaRPr lang="zh-CN" altLang="en-US"/>
           </a:p>
@@ -1688,7 +1688,7 @@
           <a:p>
             <a:fld id="{4C40F904-F16B-4CE4-9E87-9DD4C342B562}" type="datetimeFigureOut">
               <a:rPr lang="zh-CN" altLang="en-US" smtClean="0"/>
-              <a:t>2022/1/28</a:t>
+              <a:t>2022/1/29</a:t>
             </a:fld>
             <a:endParaRPr lang="zh-CN" altLang="en-US"/>
           </a:p>
@@ -1806,7 +1806,7 @@
           <a:p>
             <a:fld id="{4C40F904-F16B-4CE4-9E87-9DD4C342B562}" type="datetimeFigureOut">
               <a:rPr lang="zh-CN" altLang="en-US" smtClean="0"/>
-              <a:t>2022/1/28</a:t>
+              <a:t>2022/1/29</a:t>
             </a:fld>
             <a:endParaRPr lang="zh-CN" altLang="en-US"/>
           </a:p>
@@ -1901,7 +1901,7 @@
           <a:p>
             <a:fld id="{4C40F904-F16B-4CE4-9E87-9DD4C342B562}" type="datetimeFigureOut">
               <a:rPr lang="zh-CN" altLang="en-US" smtClean="0"/>
-              <a:t>2022/1/28</a:t>
+              <a:t>2022/1/29</a:t>
             </a:fld>
             <a:endParaRPr lang="zh-CN" altLang="en-US"/>
           </a:p>
@@ -2178,7 +2178,7 @@
           <a:p>
             <a:fld id="{4C40F904-F16B-4CE4-9E87-9DD4C342B562}" type="datetimeFigureOut">
               <a:rPr lang="zh-CN" altLang="en-US" smtClean="0"/>
-              <a:t>2022/1/28</a:t>
+              <a:t>2022/1/29</a:t>
             </a:fld>
             <a:endParaRPr lang="zh-CN" altLang="en-US"/>
           </a:p>
@@ -2435,7 +2435,7 @@
           <a:p>
             <a:fld id="{4C40F904-F16B-4CE4-9E87-9DD4C342B562}" type="datetimeFigureOut">
               <a:rPr lang="zh-CN" altLang="en-US" smtClean="0"/>
-              <a:t>2022/1/28</a:t>
+              <a:t>2022/1/29</a:t>
             </a:fld>
             <a:endParaRPr lang="zh-CN" altLang="en-US"/>
           </a:p>
@@ -2648,7 +2648,7 @@
           <a:p>
             <a:fld id="{4C40F904-F16B-4CE4-9E87-9DD4C342B562}" type="datetimeFigureOut">
               <a:rPr lang="zh-CN" altLang="en-US" smtClean="0"/>
-              <a:t>2022/1/28</a:t>
+              <a:t>2022/1/29</a:t>
             </a:fld>
             <a:endParaRPr lang="zh-CN" altLang="en-US"/>
           </a:p>
@@ -10747,7 +10747,7 @@
             <p:spPr/>
             <p:txBody>
               <a:bodyPr>
-                <a:normAutofit fontScale="92500" lnSpcReduction="20000"/>
+                <a:normAutofit/>
               </a:bodyPr>
               <a:lstStyle/>
               <a:p>
@@ -10821,51 +10821,13 @@
                 </a:r>
                 <a:r>
                   <a:rPr lang="zh-CN" altLang="en-US" dirty="0"/>
-                  <a:t>，得到的结果会变化吗？</a:t>
+                  <a:t>，得到的结果会变化</a:t>
+                </a:r>
+                <a:r>
+                  <a:rPr lang="zh-CN" altLang="en-US"/>
+                  <a:t>吗？</a:t>
                 </a:r>
                 <a:endParaRPr lang="en-US" altLang="zh-CN" dirty="0"/>
-              </a:p>
-              <a:p>
-                <a:r>
-                  <a:rPr lang="zh-CN" altLang="en-US" dirty="0"/>
-                  <a:t>虽然我们这个过程比较简单，但它也是一个</a:t>
-                </a:r>
-                <a:r>
-                  <a:rPr lang="zh-CN" altLang="en-US" dirty="0">
-                    <a:solidFill>
-                      <a:schemeClr val="accent1"/>
-                    </a:solidFill>
-                  </a:rPr>
-                  <a:t>动力学系统</a:t>
-                </a:r>
-                <a:r>
-                  <a:rPr lang="zh-CN" altLang="en-US" dirty="0"/>
-                  <a:t>，这点和牛顿方程很相似。为了研究动力学系统中的统计分布，物理学家们在上世纪创立了统计力学。统计力学研究分布的一个主要手段是</a:t>
-                </a:r>
-                <a:r>
-                  <a:rPr lang="zh-CN" altLang="en-US" dirty="0">
-                    <a:solidFill>
-                      <a:schemeClr val="accent1"/>
-                    </a:solidFill>
-                  </a:rPr>
-                  <a:t>系综</a:t>
-                </a:r>
-                <a:r>
-                  <a:rPr lang="zh-CN" altLang="en-US" dirty="0"/>
-                  <a:t>，也就是考虑一群相似的系统随时间是怎么演化的。它的一个基本假设是在平衡态时，</a:t>
-                </a:r>
-                <a:r>
-                  <a:rPr lang="zh-CN" altLang="en-US" dirty="0">
-                    <a:solidFill>
-                      <a:schemeClr val="accent6"/>
-                    </a:solidFill>
-                  </a:rPr>
-                  <a:t>系综平均和时间平均是等价的</a:t>
-                </a:r>
-                <a:r>
-                  <a:rPr lang="zh-CN" altLang="en-US" dirty="0"/>
-                  <a:t>，思考一下，这个问题里什么是时间平均，什么是系综平均？它们等价吗？</a:t>
-                </a:r>
               </a:p>
             </p:txBody>
           </p:sp>
@@ -10891,7 +10853,7 @@
               <a:blipFill>
                 <a:blip r:embed="rId2"/>
                 <a:stretch>
-                  <a:fillRect l="-541" r="-773"/>
+                  <a:fillRect l="-696"/>
                 </a:stretch>
               </a:blipFill>
             </p:spPr>
@@ -10976,8 +10938,8 @@
           </a:p>
         </p:txBody>
       </p:sp>
-      <mc:AlternateContent xmlns:mc="http://schemas.openxmlformats.org/markup-compatibility/2006">
-        <mc:Choice xmlns:a14="http://schemas.microsoft.com/office/drawing/2010/main" Requires="a14">
+      <mc:AlternateContent xmlns:mc="http://schemas.openxmlformats.org/markup-compatibility/2006" xmlns:a14="http://schemas.microsoft.com/office/drawing/2010/main">
+        <mc:Choice Requires="a14">
           <p:sp>
             <p:nvSpPr>
               <p:cNvPr id="3" name="内容占位符 2">
@@ -11183,7 +11145,7 @@
             </p:txBody>
           </p:sp>
         </mc:Choice>
-        <mc:Fallback>
+        <mc:Fallback xmlns="">
           <p:sp>
             <p:nvSpPr>
               <p:cNvPr id="3" name="内容占位符 2">
